--- a/Voyage.pptx
+++ b/Voyage.pptx
@@ -211,7 +211,7 @@
           <a:p>
             <a:fld id="{3CC571E7-9FEC-4847-B64B-F137976CC6BA}" type="datetimeFigureOut">
               <a:rPr lang="ko-KR" altLang="en-US" smtClean="0"/>
-              <a:t>2025-08-06</a:t>
+              <a:t>2025-08-22</a:t>
             </a:fld>
             <a:endParaRPr lang="ko-KR" altLang="en-US"/>
           </a:p>
@@ -614,7 +614,7 @@
                 </a:solidFill>
               </a:rPr>
               <a:pPr/>
-              <a:t>2025-08-06</a:t>
+              <a:t>2025-08-22</a:t>
             </a:fld>
             <a:endParaRPr lang="ko-KR" altLang="en-US">
               <a:solidFill>
@@ -814,7 +814,7 @@
                 </a:solidFill>
               </a:rPr>
               <a:pPr/>
-              <a:t>2025-08-06</a:t>
+              <a:t>2025-08-22</a:t>
             </a:fld>
             <a:endParaRPr lang="ko-KR" altLang="en-US">
               <a:solidFill>
@@ -1024,7 +1024,7 @@
                 </a:solidFill>
               </a:rPr>
               <a:pPr/>
-              <a:t>2025-08-06</a:t>
+              <a:t>2025-08-22</a:t>
             </a:fld>
             <a:endParaRPr lang="ko-KR" altLang="en-US">
               <a:solidFill>
@@ -1224,7 +1224,7 @@
                 </a:solidFill>
               </a:rPr>
               <a:pPr/>
-              <a:t>2025-08-06</a:t>
+              <a:t>2025-08-22</a:t>
             </a:fld>
             <a:endParaRPr lang="ko-KR" altLang="en-US">
               <a:solidFill>
@@ -1501,7 +1501,7 @@
                 </a:solidFill>
               </a:rPr>
               <a:pPr/>
-              <a:t>2025-08-06</a:t>
+              <a:t>2025-08-22</a:t>
             </a:fld>
             <a:endParaRPr lang="ko-KR" altLang="en-US">
               <a:solidFill>
@@ -1762,7 +1762,7 @@
                 </a:solidFill>
               </a:rPr>
               <a:pPr/>
-              <a:t>2025-08-06</a:t>
+              <a:t>2025-08-22</a:t>
             </a:fld>
             <a:endParaRPr lang="ko-KR" altLang="en-US">
               <a:solidFill>
@@ -2158,7 +2158,7 @@
                 </a:solidFill>
               </a:rPr>
               <a:pPr/>
-              <a:t>2025-08-06</a:t>
+              <a:t>2025-08-22</a:t>
             </a:fld>
             <a:endParaRPr lang="ko-KR" altLang="en-US">
               <a:solidFill>
@@ -2307,7 +2307,7 @@
                 </a:solidFill>
               </a:rPr>
               <a:pPr/>
-              <a:t>2025-08-06</a:t>
+              <a:t>2025-08-22</a:t>
             </a:fld>
             <a:endParaRPr lang="ko-KR" altLang="en-US">
               <a:solidFill>
@@ -2434,7 +2434,7 @@
                 </a:solidFill>
               </a:rPr>
               <a:pPr/>
-              <a:t>2025-08-06</a:t>
+              <a:t>2025-08-22</a:t>
             </a:fld>
             <a:endParaRPr lang="ko-KR" altLang="en-US">
               <a:solidFill>
@@ -2741,7 +2741,7 @@
                 </a:solidFill>
               </a:rPr>
               <a:pPr/>
-              <a:t>2025-08-06</a:t>
+              <a:t>2025-08-22</a:t>
             </a:fld>
             <a:endParaRPr lang="ko-KR" altLang="en-US">
               <a:solidFill>
@@ -3025,7 +3025,7 @@
                 </a:solidFill>
               </a:rPr>
               <a:pPr/>
-              <a:t>2025-08-06</a:t>
+              <a:t>2025-08-22</a:t>
             </a:fld>
             <a:endParaRPr lang="ko-KR" altLang="en-US">
               <a:solidFill>
@@ -3268,7 +3268,7 @@
                 </a:solidFill>
               </a:rPr>
               <a:pPr/>
-              <a:t>2025-08-06</a:t>
+              <a:t>2025-08-22</a:t>
             </a:fld>
             <a:endParaRPr lang="ko-KR" altLang="en-US">
               <a:solidFill>
@@ -11463,7 +11463,7 @@
     <mc:Choice Requires="p14">
       <p:transition/>
     </mc:Choice>
-    <mc:Fallback xmlns:dsp="http://schemas.microsoft.com/office/drawing/2008/diagram" xmlns:dgm="http://schemas.openxmlformats.org/drawingml/2006/diagram" xmlns:c="http://schemas.openxmlformats.org/drawingml/2006/chart" xmlns="">
+    <mc:Fallback xmlns="" xmlns:c="http://schemas.openxmlformats.org/drawingml/2006/chart" xmlns:dgm="http://schemas.openxmlformats.org/drawingml/2006/diagram" xmlns:dsp="http://schemas.microsoft.com/office/drawing/2008/diagram">
       <p:transition/>
     </mc:Fallback>
   </mc:AlternateContent>
@@ -12121,7 +12121,7 @@
     <mc:Choice Requires="p14">
       <p:transition/>
     </mc:Choice>
-    <mc:Fallback xmlns:dsp="http://schemas.microsoft.com/office/drawing/2008/diagram" xmlns:dgm="http://schemas.openxmlformats.org/drawingml/2006/diagram" xmlns:c="http://schemas.openxmlformats.org/drawingml/2006/chart" xmlns="">
+    <mc:Fallback xmlns="" xmlns:c="http://schemas.openxmlformats.org/drawingml/2006/chart" xmlns:dgm="http://schemas.openxmlformats.org/drawingml/2006/diagram" xmlns:dsp="http://schemas.microsoft.com/office/drawing/2008/diagram">
       <p:transition/>
     </mc:Fallback>
   </mc:AlternateContent>
